--- a/団体加入希望者の要求情報とその提供手法.pptx
+++ b/団体加入希望者の要求情報とその提供手法.pptx
@@ -107,6 +107,11 @@
       </a:defRPr>
     </a:lvl9pPr>
   </p:defaultTextStyle>
+  <p:extLst>
+    <p:ext uri="{EFAFB233-063F-42B5-8137-9DF3F51BA10A}">
+      <p15:sldGuideLst xmlns:p15="http://schemas.microsoft.com/office/powerpoint/2012/main"/>
+    </p:ext>
+  </p:extLst>
 </p:presentation>
 </file>
 
@@ -1130,80 +1135,6 @@
         </a:p>
       </dgm:t>
     </dgm:pt>
-    <dgm:pt modelId="{0412EEBD-51CF-4AB7-9CE7-E0488A898BC9}">
-      <dgm:prSet phldrT="[テキスト]"/>
-      <dgm:spPr/>
-      <dgm:t>
-        <a:bodyPr/>
-        <a:lstStyle/>
-        <a:p>
-          <a:r>
-            <a:rPr kumimoji="1" lang="ja-JP" altLang="en-US" dirty="0" smtClean="0"/>
-            <a:t>弓の本購入（弓の登録を行い道具の管理を個人が意識できるようにする為この時点である必要はないが正会員登録には個人が保有する弓の存在を絶対とし会員登録と同時に登録も行う）</a:t>
-          </a:r>
-          <a:endParaRPr kumimoji="1" lang="ja-JP" altLang="en-US" dirty="0"/>
-        </a:p>
-      </dgm:t>
-    </dgm:pt>
-    <dgm:pt modelId="{706D2090-41BD-4E09-BA9C-A0ED880D68E1}" type="parTrans" cxnId="{17853C88-A436-4375-A122-CAC9923D1D7C}">
-      <dgm:prSet/>
-      <dgm:spPr/>
-      <dgm:t>
-        <a:bodyPr/>
-        <a:lstStyle/>
-        <a:p>
-          <a:endParaRPr kumimoji="1" lang="ja-JP" altLang="en-US"/>
-        </a:p>
-      </dgm:t>
-    </dgm:pt>
-    <dgm:pt modelId="{AC47EA29-6264-43B4-9652-FB384F676026}" type="sibTrans" cxnId="{17853C88-A436-4375-A122-CAC9923D1D7C}">
-      <dgm:prSet/>
-      <dgm:spPr/>
-      <dgm:t>
-        <a:bodyPr/>
-        <a:lstStyle/>
-        <a:p>
-          <a:endParaRPr kumimoji="1" lang="ja-JP" altLang="en-US"/>
-        </a:p>
-      </dgm:t>
-    </dgm:pt>
-    <dgm:pt modelId="{96B0CA7B-F48E-4EAE-AA2A-789CD642FB37}">
-      <dgm:prSet phldrT="[テキスト]"/>
-      <dgm:spPr/>
-      <dgm:t>
-        <a:bodyPr/>
-        <a:lstStyle/>
-        <a:p>
-          <a:r>
-            <a:rPr kumimoji="1" lang="ja-JP" altLang="en-US" dirty="0" smtClean="0"/>
-            <a:t>正会員登録</a:t>
-          </a:r>
-          <a:endParaRPr kumimoji="1" lang="ja-JP" altLang="en-US" dirty="0"/>
-        </a:p>
-      </dgm:t>
-    </dgm:pt>
-    <dgm:pt modelId="{402AF4F0-BB8B-4A93-B968-83C3AA6B18A7}" type="parTrans" cxnId="{CE9B4239-6478-4A6C-9E2F-D2CA3CD68DD0}">
-      <dgm:prSet/>
-      <dgm:spPr/>
-      <dgm:t>
-        <a:bodyPr/>
-        <a:lstStyle/>
-        <a:p>
-          <a:endParaRPr kumimoji="1" lang="ja-JP" altLang="en-US"/>
-        </a:p>
-      </dgm:t>
-    </dgm:pt>
-    <dgm:pt modelId="{B64B8A17-E449-448D-A26D-99AB5841FD97}" type="sibTrans" cxnId="{CE9B4239-6478-4A6C-9E2F-D2CA3CD68DD0}">
-      <dgm:prSet/>
-      <dgm:spPr/>
-      <dgm:t>
-        <a:bodyPr/>
-        <a:lstStyle/>
-        <a:p>
-          <a:endParaRPr kumimoji="1" lang="ja-JP" altLang="en-US"/>
-        </a:p>
-      </dgm:t>
-    </dgm:pt>
     <dgm:pt modelId="{62E4A33A-22D5-40A2-A8AC-8BE9AF48E046}">
       <dgm:prSet phldrT="[テキスト]"/>
       <dgm:spPr/>
@@ -1241,6 +1172,88 @@
         </a:p>
       </dgm:t>
     </dgm:pt>
+    <dgm:pt modelId="{96B0CA7B-F48E-4EAE-AA2A-789CD642FB37}">
+      <dgm:prSet phldrT="[テキスト]"/>
+      <dgm:spPr/>
+      <dgm:t>
+        <a:bodyPr/>
+        <a:lstStyle/>
+        <a:p>
+          <a:r>
+            <a:rPr kumimoji="1" lang="ja-JP" altLang="en-US" dirty="0" smtClean="0"/>
+            <a:t>正会員登録</a:t>
+          </a:r>
+          <a:endParaRPr kumimoji="1" lang="ja-JP" altLang="en-US" dirty="0"/>
+        </a:p>
+      </dgm:t>
+    </dgm:pt>
+    <dgm:pt modelId="{B64B8A17-E449-448D-A26D-99AB5841FD97}" type="sibTrans" cxnId="{CE9B4239-6478-4A6C-9E2F-D2CA3CD68DD0}">
+      <dgm:prSet/>
+      <dgm:spPr/>
+      <dgm:t>
+        <a:bodyPr/>
+        <a:lstStyle/>
+        <a:p>
+          <a:endParaRPr kumimoji="1" lang="ja-JP" altLang="en-US"/>
+        </a:p>
+      </dgm:t>
+    </dgm:pt>
+    <dgm:pt modelId="{402AF4F0-BB8B-4A93-B968-83C3AA6B18A7}" type="parTrans" cxnId="{CE9B4239-6478-4A6C-9E2F-D2CA3CD68DD0}">
+      <dgm:prSet/>
+      <dgm:spPr/>
+      <dgm:t>
+        <a:bodyPr/>
+        <a:lstStyle/>
+        <a:p>
+          <a:endParaRPr kumimoji="1" lang="ja-JP" altLang="en-US"/>
+        </a:p>
+      </dgm:t>
+    </dgm:pt>
+    <dgm:pt modelId="{0412EEBD-51CF-4AB7-9CE7-E0488A898BC9}">
+      <dgm:prSet phldrT="[テキスト]"/>
+      <dgm:spPr/>
+      <dgm:t>
+        <a:bodyPr/>
+        <a:lstStyle/>
+        <a:p>
+          <a:r>
+            <a:rPr kumimoji="1" lang="ja-JP" altLang="en-US" dirty="0" smtClean="0"/>
+            <a:t>登録弓の購入（弓の登録を行い道具の管理を個人が</a:t>
+          </a:r>
+          <a:r>
+            <a:rPr kumimoji="1" lang="ja-JP" altLang="en-US" dirty="0" smtClean="0"/>
+            <a:t>意識し行うように</a:t>
+          </a:r>
+          <a:r>
+            <a:rPr kumimoji="1" lang="ja-JP" altLang="en-US" dirty="0" smtClean="0"/>
+            <a:t>する為、購入時期がこの時点である必要はないが正会員登録には個人が保有する弓の存在を絶対とし会員登録と同時に登録も行う）</a:t>
+          </a:r>
+          <a:endParaRPr kumimoji="1" lang="ja-JP" altLang="en-US" dirty="0"/>
+        </a:p>
+      </dgm:t>
+    </dgm:pt>
+    <dgm:pt modelId="{AC47EA29-6264-43B4-9652-FB384F676026}" type="sibTrans" cxnId="{17853C88-A436-4375-A122-CAC9923D1D7C}">
+      <dgm:prSet/>
+      <dgm:spPr/>
+      <dgm:t>
+        <a:bodyPr/>
+        <a:lstStyle/>
+        <a:p>
+          <a:endParaRPr kumimoji="1" lang="ja-JP" altLang="en-US"/>
+        </a:p>
+      </dgm:t>
+    </dgm:pt>
+    <dgm:pt modelId="{706D2090-41BD-4E09-BA9C-A0ED880D68E1}" type="parTrans" cxnId="{17853C88-A436-4375-A122-CAC9923D1D7C}">
+      <dgm:prSet/>
+      <dgm:spPr/>
+      <dgm:t>
+        <a:bodyPr/>
+        <a:lstStyle/>
+        <a:p>
+          <a:endParaRPr kumimoji="1" lang="ja-JP" altLang="en-US"/>
+        </a:p>
+      </dgm:t>
+    </dgm:pt>
     <dgm:pt modelId="{A93A84E0-BE74-4595-8EBB-841525867A41}" type="pres">
       <dgm:prSet presAssocID="{DF0224D7-9BD9-4940-8E5A-E2435C85DBDC}" presName="linearFlow" presStyleCnt="0">
         <dgm:presLayoutVars>
@@ -1250,6 +1263,13 @@
         </dgm:presLayoutVars>
       </dgm:prSet>
       <dgm:spPr/>
+      <dgm:t>
+        <a:bodyPr/>
+        <a:lstStyle/>
+        <a:p>
+          <a:endParaRPr kumimoji="1" lang="ja-JP" altLang="en-US"/>
+        </a:p>
+      </dgm:t>
     </dgm:pt>
     <dgm:pt modelId="{453F1187-43DF-4E67-BA3B-A2A212DA38E1}" type="pres">
       <dgm:prSet presAssocID="{F6A1B9A1-493B-4206-BC9C-83FA505ACD5D}" presName="composite" presStyleCnt="0"/>
@@ -1263,6 +1283,13 @@
         </dgm:presLayoutVars>
       </dgm:prSet>
       <dgm:spPr/>
+      <dgm:t>
+        <a:bodyPr/>
+        <a:lstStyle/>
+        <a:p>
+          <a:endParaRPr kumimoji="1" lang="ja-JP" altLang="en-US"/>
+        </a:p>
+      </dgm:t>
     </dgm:pt>
     <dgm:pt modelId="{973EA70D-3674-40E0-8E4B-E1962F1A2E29}" type="pres">
       <dgm:prSet presAssocID="{F6A1B9A1-493B-4206-BC9C-83FA505ACD5D}" presName="descendantText" presStyleLbl="alignAcc1" presStyleIdx="0" presStyleCnt="3">
@@ -1271,6 +1298,13 @@
         </dgm:presLayoutVars>
       </dgm:prSet>
       <dgm:spPr/>
+      <dgm:t>
+        <a:bodyPr/>
+        <a:lstStyle/>
+        <a:p>
+          <a:endParaRPr kumimoji="1" lang="ja-JP" altLang="en-US"/>
+        </a:p>
+      </dgm:t>
     </dgm:pt>
     <dgm:pt modelId="{CBCE946C-23D5-471F-BFEF-CDB109C7292A}" type="pres">
       <dgm:prSet presAssocID="{3523C0E9-35D8-4A57-8158-B9A36DF564B5}" presName="sp" presStyleCnt="0"/>
@@ -1288,6 +1322,13 @@
         </dgm:presLayoutVars>
       </dgm:prSet>
       <dgm:spPr/>
+      <dgm:t>
+        <a:bodyPr/>
+        <a:lstStyle/>
+        <a:p>
+          <a:endParaRPr kumimoji="1" lang="ja-JP" altLang="en-US"/>
+        </a:p>
+      </dgm:t>
     </dgm:pt>
     <dgm:pt modelId="{B7D214B9-D658-4DC4-9723-33D8CB775CD1}" type="pres">
       <dgm:prSet presAssocID="{B68B495F-8CA3-42AE-8005-231FBDEB91DD}" presName="descendantText" presStyleLbl="alignAcc1" presStyleIdx="1" presStyleCnt="3">
@@ -1320,6 +1361,13 @@
         </dgm:presLayoutVars>
       </dgm:prSet>
       <dgm:spPr/>
+      <dgm:t>
+        <a:bodyPr/>
+        <a:lstStyle/>
+        <a:p>
+          <a:endParaRPr kumimoji="1" lang="ja-JP" altLang="en-US"/>
+        </a:p>
+      </dgm:t>
     </dgm:pt>
     <dgm:pt modelId="{91589E26-7E9B-40FD-8C98-C8A49A4A473A}" type="pres">
       <dgm:prSet presAssocID="{2EBF2D0D-84B0-47F9-AF31-9E16017EF9B2}" presName="descendantText" presStyleLbl="alignAcc1" presStyleIdx="2" presStyleCnt="3">
@@ -1338,14 +1386,14 @@
     </dgm:pt>
   </dgm:ptLst>
   <dgm:cxnLst>
+    <dgm:cxn modelId="{05B9E466-3CCD-46E2-A08C-3A7BE9444DFE}" type="presOf" srcId="{93FAE4E1-CCE2-4A6E-AE9F-F6133C5F5D14}" destId="{973EA70D-3674-40E0-8E4B-E1962F1A2E29}" srcOrd="0" destOrd="1" presId="urn:microsoft.com/office/officeart/2005/8/layout/chevron2"/>
     <dgm:cxn modelId="{2CED70BD-992E-4F7A-B78B-E9AAE00DD378}" type="presOf" srcId="{7C66F97A-4610-4A40-9CAB-2D2C9E9E3B5B}" destId="{973EA70D-3674-40E0-8E4B-E1962F1A2E29}" srcOrd="0" destOrd="0" presId="urn:microsoft.com/office/officeart/2005/8/layout/chevron2"/>
     <dgm:cxn modelId="{A37DD7F7-3400-4284-994F-049B237F5B3C}" srcId="{F6A1B9A1-493B-4206-BC9C-83FA505ACD5D}" destId="{93FAE4E1-CCE2-4A6E-AE9F-F6133C5F5D14}" srcOrd="1" destOrd="0" parTransId="{369D0F08-3E37-4212-B282-E2FDD43C1228}" sibTransId="{AED14910-ADB3-4C7C-866F-7F3D11293EB7}"/>
-    <dgm:cxn modelId="{05B9E466-3CCD-46E2-A08C-3A7BE9444DFE}" type="presOf" srcId="{93FAE4E1-CCE2-4A6E-AE9F-F6133C5F5D14}" destId="{973EA70D-3674-40E0-8E4B-E1962F1A2E29}" srcOrd="0" destOrd="1" presId="urn:microsoft.com/office/officeart/2005/8/layout/chevron2"/>
     <dgm:cxn modelId="{FF6E820F-E2EC-486C-8B92-745EE5D8647F}" srcId="{DF0224D7-9BD9-4940-8E5A-E2435C85DBDC}" destId="{2EBF2D0D-84B0-47F9-AF31-9E16017EF9B2}" srcOrd="2" destOrd="0" parTransId="{BCBD34FF-3DE9-491E-B4DF-03936A2D3418}" sibTransId="{73A14116-D977-4097-8595-8D7233EA063C}"/>
     <dgm:cxn modelId="{88E94D91-C13E-4EB7-B98F-082005DB6584}" srcId="{DF0224D7-9BD9-4940-8E5A-E2435C85DBDC}" destId="{B68B495F-8CA3-42AE-8005-231FBDEB91DD}" srcOrd="1" destOrd="0" parTransId="{981ADE88-C948-4837-AC22-84FD2E4283D2}" sibTransId="{A9113B31-F9EA-4606-B7D9-320E03152AE0}"/>
     <dgm:cxn modelId="{184B52C5-3771-41BC-97F3-74BC3D471FA9}" type="presOf" srcId="{DF0224D7-9BD9-4940-8E5A-E2435C85DBDC}" destId="{A93A84E0-BE74-4595-8EBB-841525867A41}" srcOrd="0" destOrd="0" presId="urn:microsoft.com/office/officeart/2005/8/layout/chevron2"/>
+    <dgm:cxn modelId="{2695C51D-3559-4595-9F2D-3225EF664A90}" type="presOf" srcId="{62E4A33A-22D5-40A2-A8AC-8BE9AF48E046}" destId="{B7D214B9-D658-4DC4-9723-33D8CB775CD1}" srcOrd="0" destOrd="2" presId="urn:microsoft.com/office/officeart/2005/8/layout/chevron2"/>
     <dgm:cxn modelId="{410B03ED-BF28-4A2F-97B0-4C60E66D3164}" type="presOf" srcId="{0412EEBD-51CF-4AB7-9CE7-E0488A898BC9}" destId="{91589E26-7E9B-40FD-8C98-C8A49A4A473A}" srcOrd="0" destOrd="0" presId="urn:microsoft.com/office/officeart/2005/8/layout/chevron2"/>
-    <dgm:cxn modelId="{2695C51D-3559-4595-9F2D-3225EF664A90}" type="presOf" srcId="{62E4A33A-22D5-40A2-A8AC-8BE9AF48E046}" destId="{B7D214B9-D658-4DC4-9723-33D8CB775CD1}" srcOrd="0" destOrd="2" presId="urn:microsoft.com/office/officeart/2005/8/layout/chevron2"/>
     <dgm:cxn modelId="{F6F0E1B6-71CF-47FB-9FBF-516B5A188727}" type="presOf" srcId="{96B0CA7B-F48E-4EAE-AA2A-789CD642FB37}" destId="{91589E26-7E9B-40FD-8C98-C8A49A4A473A}" srcOrd="0" destOrd="1" presId="urn:microsoft.com/office/officeart/2005/8/layout/chevron2"/>
     <dgm:cxn modelId="{CE9B4239-6478-4A6C-9E2F-D2CA3CD68DD0}" srcId="{2EBF2D0D-84B0-47F9-AF31-9E16017EF9B2}" destId="{96B0CA7B-F48E-4EAE-AA2A-789CD642FB37}" srcOrd="1" destOrd="0" parTransId="{402AF4F0-BB8B-4A93-B968-83C3AA6B18A7}" sibTransId="{B64B8A17-E449-448D-A26D-99AB5841FD97}"/>
     <dgm:cxn modelId="{D1574F23-3634-417F-9EA2-5B01609DC213}" srcId="{F6A1B9A1-493B-4206-BC9C-83FA505ACD5D}" destId="{7C66F97A-4610-4A40-9CAB-2D2C9E9E3B5B}" srcOrd="0" destOrd="0" parTransId="{62649351-2CA6-4467-8E07-BED1B16A8C23}" sibTransId="{BBDE3FA5-69F0-4FEC-AC63-E5E6504B739E}"/>
@@ -1898,7 +1946,15 @@
           </a:pPr>
           <a:r>
             <a:rPr kumimoji="1" lang="ja-JP" altLang="en-US" sz="1500" kern="1200" dirty="0" smtClean="0"/>
-            <a:t>弓の本購入（弓の登録を行い道具の管理を個人が意識できるようにする為この時点である必要はないが正会員登録には個人が保有する弓の存在を絶対とし会員登録と同時に登録も行う）</a:t>
+            <a:t>登録弓の購入（弓の登録を行い道具の管理を個人が</a:t>
+          </a:r>
+          <a:r>
+            <a:rPr kumimoji="1" lang="ja-JP" altLang="en-US" sz="1500" kern="1200" dirty="0" smtClean="0"/>
+            <a:t>意識し行うように</a:t>
+          </a:r>
+          <a:r>
+            <a:rPr kumimoji="1" lang="ja-JP" altLang="en-US" sz="1500" kern="1200" dirty="0" smtClean="0"/>
+            <a:t>する為、購入時期がこの時点である必要はないが正会員登録には個人が保有する弓の存在を絶対とし会員登録と同時に登録も行う）</a:t>
           </a:r>
           <a:endParaRPr kumimoji="1" lang="ja-JP" altLang="en-US" sz="1500" kern="1200" dirty="0"/>
         </a:p>
@@ -3467,7 +3523,7 @@
             <a:fld id="{B61BEF0D-F0BB-DE4B-95CE-6DB70DBA9567}" type="datetimeFigureOut">
               <a:rPr lang="en-US" dirty="0"/>
               <a:pPr/>
-              <a:t>2/13/2018</a:t>
+              <a:t>2/14/2018</a:t>
             </a:fld>
             <a:endParaRPr lang="en-US" dirty="0"/>
           </a:p>
@@ -3758,7 +3814,7 @@
             <a:fld id="{B61BEF0D-F0BB-DE4B-95CE-6DB70DBA9567}" type="datetimeFigureOut">
               <a:rPr lang="en-US" dirty="0"/>
               <a:pPr/>
-              <a:t>2/13/2018</a:t>
+              <a:t>2/14/2018</a:t>
             </a:fld>
             <a:endParaRPr lang="en-US" dirty="0"/>
           </a:p>
@@ -4022,7 +4078,7 @@
             <a:fld id="{B61BEF0D-F0BB-DE4B-95CE-6DB70DBA9567}" type="datetimeFigureOut">
               <a:rPr lang="en-US" dirty="0"/>
               <a:pPr/>
-              <a:t>2/13/2018</a:t>
+              <a:t>2/14/2018</a:t>
             </a:fld>
             <a:endParaRPr lang="en-US" dirty="0"/>
           </a:p>
@@ -4291,7 +4347,7 @@
             <a:fld id="{B61BEF0D-F0BB-DE4B-95CE-6DB70DBA9567}" type="datetimeFigureOut">
               <a:rPr lang="en-US" dirty="0"/>
               <a:pPr/>
-              <a:t>2/13/2018</a:t>
+              <a:t>2/14/2018</a:t>
             </a:fld>
             <a:endParaRPr lang="en-US" dirty="0"/>
           </a:p>
@@ -4595,7 +4651,7 @@
             <a:fld id="{B61BEF0D-F0BB-DE4B-95CE-6DB70DBA9567}" type="datetimeFigureOut">
               <a:rPr lang="en-US" dirty="0"/>
               <a:pPr/>
-              <a:t>2/13/2018</a:t>
+              <a:t>2/14/2018</a:t>
             </a:fld>
             <a:endParaRPr lang="en-US" dirty="0"/>
           </a:p>
@@ -4958,7 +5014,7 @@
             <a:fld id="{B61BEF0D-F0BB-DE4B-95CE-6DB70DBA9567}" type="datetimeFigureOut">
               <a:rPr lang="en-US" dirty="0"/>
               <a:pPr/>
-              <a:t>2/13/2018</a:t>
+              <a:t>2/14/2018</a:t>
             </a:fld>
             <a:endParaRPr lang="en-US" dirty="0"/>
           </a:p>
@@ -5441,7 +5497,7 @@
             <a:fld id="{B61BEF0D-F0BB-DE4B-95CE-6DB70DBA9567}" type="datetimeFigureOut">
               <a:rPr lang="en-US" dirty="0"/>
               <a:pPr/>
-              <a:t>2/13/2018</a:t>
+              <a:t>2/14/2018</a:t>
             </a:fld>
             <a:endParaRPr lang="en-US" dirty="0"/>
           </a:p>
@@ -5600,7 +5656,7 @@
             <a:fld id="{B61BEF0D-F0BB-DE4B-95CE-6DB70DBA9567}" type="datetimeFigureOut">
               <a:rPr lang="en-US" dirty="0"/>
               <a:pPr/>
-              <a:t>2/13/2018</a:t>
+              <a:t>2/14/2018</a:t>
             </a:fld>
             <a:endParaRPr lang="en-US" dirty="0"/>
           </a:p>
@@ -5692,7 +5748,7 @@
             <a:fld id="{B61BEF0D-F0BB-DE4B-95CE-6DB70DBA9567}" type="datetimeFigureOut">
               <a:rPr lang="en-US" dirty="0"/>
               <a:pPr/>
-              <a:t>2/13/2018</a:t>
+              <a:t>2/14/2018</a:t>
             </a:fld>
             <a:endParaRPr lang="en-US" dirty="0"/>
           </a:p>
@@ -6099,7 +6155,7 @@
             <a:fld id="{B61BEF0D-F0BB-DE4B-95CE-6DB70DBA9567}" type="datetimeFigureOut">
               <a:rPr lang="en-US" dirty="0"/>
               <a:pPr/>
-              <a:t>2/13/2018</a:t>
+              <a:t>2/14/2018</a:t>
             </a:fld>
             <a:endParaRPr lang="en-US" dirty="0"/>
           </a:p>
@@ -6385,7 +6441,7 @@
             <a:fld id="{B61BEF0D-F0BB-DE4B-95CE-6DB70DBA9567}" type="datetimeFigureOut">
               <a:rPr lang="en-US" dirty="0"/>
               <a:pPr/>
-              <a:t>2/13/2018</a:t>
+              <a:t>2/14/2018</a:t>
             </a:fld>
             <a:endParaRPr lang="en-US" dirty="0"/>
           </a:p>
@@ -6625,7 +6681,7 @@
             <a:fld id="{B61BEF0D-F0BB-DE4B-95CE-6DB70DBA9567}" type="datetimeFigureOut">
               <a:rPr lang="en-US" dirty="0"/>
               <a:pPr/>
-              <a:t>2/13/2018</a:t>
+              <a:t>2/14/2018</a:t>
             </a:fld>
             <a:endParaRPr lang="en-US" dirty="0"/>
           </a:p>
@@ -7239,7 +7295,7 @@
           <a:p>
             <a:r>
               <a:rPr kumimoji="1" lang="ja-JP" altLang="en-US" dirty="0" smtClean="0"/>
-              <a:t>団体加入希望者の要求情報とその提供手法、入会までのシーケンスの考察</a:t>
+              <a:t>団体加入希望者の要求情報とその提供手法、入会までのシーケンス。</a:t>
             </a:r>
             <a:endParaRPr kumimoji="1" lang="ja-JP" altLang="en-US" dirty="0"/>
           </a:p>
@@ -7465,6 +7521,44 @@
       </p:grpSpPr>
       <p:sp>
         <p:nvSpPr>
+          <p:cNvPr id="3" name="正方形/長方形 2"/>
+          <p:cNvSpPr/>
+          <p:nvPr/>
+        </p:nvSpPr>
+        <p:spPr>
+          <a:xfrm>
+            <a:off x="395733" y="1932658"/>
+            <a:ext cx="5464378" cy="4619701"/>
+          </a:xfrm>
+          <a:prstGeom prst="rect">
+            <a:avLst/>
+          </a:prstGeom>
+        </p:spPr>
+        <p:style>
+          <a:lnRef idx="2">
+            <a:schemeClr val="accent5"/>
+          </a:lnRef>
+          <a:fillRef idx="1">
+            <a:schemeClr val="lt1"/>
+          </a:fillRef>
+          <a:effectRef idx="0">
+            <a:schemeClr val="accent5"/>
+          </a:effectRef>
+          <a:fontRef idx="minor">
+            <a:schemeClr val="dk1"/>
+          </a:fontRef>
+        </p:style>
+        <p:txBody>
+          <a:bodyPr rtlCol="0" anchor="ctr"/>
+          <a:lstStyle/>
+          <a:p>
+            <a:pPr algn="ctr"/>
+            <a:endParaRPr kumimoji="1" lang="ja-JP" altLang="en-US"/>
+          </a:p>
+        </p:txBody>
+      </p:sp>
+      <p:sp>
+        <p:nvSpPr>
           <p:cNvPr id="2" name="タイトル 1"/>
           <p:cNvSpPr>
             <a:spLocks noGrp="1"/>
@@ -7493,7 +7587,15 @@
             </a:br>
             <a:r>
               <a:rPr lang="ja-JP" altLang="en-US" sz="1600" dirty="0" smtClean="0"/>
-              <a:t>希望者が団体を知り、その活動に参加するための情報収集を円滑に行えるよう、その情報カテゴリーを纏める。</a:t>
+              <a:t>希望者が団体を知り、その活動に参加するための情報収集を円滑に行えるよう、その情報</a:t>
+            </a:r>
+            <a:r>
+              <a:rPr lang="ja-JP" altLang="en-US" sz="1600" dirty="0" smtClean="0"/>
+              <a:t>カテゴリーと手法を</a:t>
+            </a:r>
+            <a:r>
+              <a:rPr lang="ja-JP" altLang="en-US" sz="1600" dirty="0" smtClean="0"/>
+              <a:t>纏める。</a:t>
             </a:r>
             <a:endParaRPr kumimoji="1" lang="ja-JP" altLang="en-US" sz="1600" dirty="0"/>
           </a:p>
@@ -7507,7 +7609,7 @@
         </p:nvSpPr>
         <p:spPr>
           <a:xfrm>
-            <a:off x="1363647" y="2058394"/>
+            <a:off x="581192" y="2051527"/>
             <a:ext cx="2635857" cy="334353"/>
           </a:xfrm>
           <a:prstGeom prst="flowChartProcess">
@@ -7551,7 +7653,7 @@
         </p:nvSpPr>
         <p:spPr>
           <a:xfrm>
-            <a:off x="1363647" y="2544917"/>
+            <a:off x="581192" y="2538050"/>
             <a:ext cx="2635857" cy="653335"/>
           </a:xfrm>
           <a:prstGeom prst="flowChartProcess">
@@ -7595,7 +7697,7 @@
         </p:nvSpPr>
         <p:spPr>
           <a:xfrm>
-            <a:off x="1363649" y="3325501"/>
+            <a:off x="581194" y="3318634"/>
             <a:ext cx="2635857" cy="334353"/>
           </a:xfrm>
           <a:prstGeom prst="flowChartProcess">
@@ -7639,7 +7741,7 @@
         </p:nvSpPr>
         <p:spPr>
           <a:xfrm>
-            <a:off x="1363648" y="3811660"/>
+            <a:off x="581193" y="3804793"/>
             <a:ext cx="2635857" cy="334353"/>
           </a:xfrm>
           <a:prstGeom prst="flowChartProcess">
@@ -7687,7 +7789,7 @@
         </p:nvSpPr>
         <p:spPr>
           <a:xfrm>
-            <a:off x="1363648" y="4321672"/>
+            <a:off x="581193" y="4314805"/>
             <a:ext cx="2635857" cy="334353"/>
           </a:xfrm>
           <a:prstGeom prst="flowChartProcess">
@@ -7734,7 +7836,7 @@
         </p:nvSpPr>
         <p:spPr>
           <a:xfrm>
-            <a:off x="1363647" y="4807831"/>
+            <a:off x="581192" y="4800964"/>
             <a:ext cx="2635857" cy="334353"/>
           </a:xfrm>
           <a:prstGeom prst="flowChartProcess">
@@ -7778,7 +7880,7 @@
         </p:nvSpPr>
         <p:spPr>
           <a:xfrm>
-            <a:off x="4354663" y="4807831"/>
+            <a:off x="6135755" y="4807831"/>
             <a:ext cx="2635857" cy="334353"/>
           </a:xfrm>
           <a:prstGeom prst="flowChartProcess">
@@ -7825,8 +7927,8 @@
         </p:nvCxnSpPr>
         <p:spPr>
           <a:xfrm>
-            <a:off x="3999504" y="4975008"/>
-            <a:ext cx="355159" cy="0"/>
+            <a:off x="3217049" y="4968141"/>
+            <a:ext cx="2918706" cy="6867"/>
           </a:xfrm>
           <a:prstGeom prst="straightConnector1">
             <a:avLst/>
@@ -7858,7 +7960,7 @@
         </p:nvSpPr>
         <p:spPr>
           <a:xfrm>
-            <a:off x="1371598" y="5270137"/>
+            <a:off x="589143" y="5263270"/>
             <a:ext cx="2635857" cy="334353"/>
           </a:xfrm>
           <a:prstGeom prst="flowChartProcess">
@@ -7914,7 +8016,7 @@
         </p:nvSpPr>
         <p:spPr>
           <a:xfrm>
-            <a:off x="4354662" y="5270137"/>
+            <a:off x="6135754" y="5270137"/>
             <a:ext cx="2635857" cy="334353"/>
           </a:xfrm>
           <a:prstGeom prst="flowChartProcess">
@@ -7959,7 +8061,7 @@
         </p:nvSpPr>
         <p:spPr>
           <a:xfrm>
-            <a:off x="4354661" y="5732441"/>
+            <a:off x="6135753" y="5732441"/>
             <a:ext cx="2635857" cy="334353"/>
           </a:xfrm>
           <a:prstGeom prst="flowChartProcess">
@@ -8001,7 +8103,7 @@
         </p:nvSpPr>
         <p:spPr>
           <a:xfrm>
-            <a:off x="4354661" y="6194745"/>
+            <a:off x="6135753" y="6194745"/>
             <a:ext cx="2635857" cy="334353"/>
           </a:xfrm>
           <a:prstGeom prst="flowChartProcess">
@@ -8054,8 +8156,8 @@
         </p:nvCxnSpPr>
         <p:spPr>
           <a:xfrm>
-            <a:off x="4007455" y="5437314"/>
-            <a:ext cx="347207" cy="0"/>
+            <a:off x="3225000" y="5430447"/>
+            <a:ext cx="2910754" cy="6867"/>
           </a:xfrm>
           <a:prstGeom prst="straightConnector1">
             <a:avLst/>
@@ -8087,7 +8189,7 @@
         </p:nvSpPr>
         <p:spPr>
           <a:xfrm>
-            <a:off x="1371598" y="5796046"/>
+            <a:off x="589143" y="5789179"/>
             <a:ext cx="2635857" cy="334353"/>
           </a:xfrm>
           <a:prstGeom prst="flowChartProcess">
@@ -8130,15 +8232,14 @@
         <p:nvCxnSpPr>
           <p:cNvPr id="26" name="カギ線コネクタ 25"/>
           <p:cNvCxnSpPr>
-            <a:stCxn id="6" idx="3"/>
             <a:endCxn id="11" idx="0"/>
           </p:cNvCxnSpPr>
           <p:nvPr/>
         </p:nvCxnSpPr>
         <p:spPr>
           <a:xfrm>
-            <a:off x="3999504" y="2871585"/>
-            <a:ext cx="1673088" cy="1936246"/>
+            <a:off x="3225000" y="3024618"/>
+            <a:ext cx="4228684" cy="1783213"/>
           </a:xfrm>
           <a:prstGeom prst="bentConnector2">
             <a:avLst/>
@@ -8170,7 +8271,7 @@
         </p:nvSpPr>
         <p:spPr>
           <a:xfrm>
-            <a:off x="4354661" y="3317708"/>
+            <a:off x="6135753" y="3317708"/>
             <a:ext cx="2547071" cy="732693"/>
           </a:xfrm>
           <a:prstGeom prst="flowChartProcess">
@@ -8208,7 +8309,7 @@
             </a:r>
             <a:r>
               <a:rPr kumimoji="1" lang="ja-JP" altLang="en-US" dirty="0" smtClean="0"/>
-              <a:t>の情報</a:t>
+              <a:t>の動画情報</a:t>
             </a:r>
             <a:r>
               <a:rPr kumimoji="1" lang="ja-JP" altLang="en-US" dirty="0"/>
@@ -8225,7 +8326,7 @@
         </p:nvCxnSpPr>
         <p:spPr>
           <a:xfrm>
-            <a:off x="6027747" y="4050401"/>
+            <a:off x="7808839" y="4050401"/>
             <a:ext cx="0" cy="756994"/>
           </a:xfrm>
           <a:prstGeom prst="straightConnector1">
@@ -8259,8 +8360,8 @@
         </p:nvSpPr>
         <p:spPr>
           <a:xfrm>
-            <a:off x="6718850" y="2178570"/>
-            <a:ext cx="2547071" cy="732693"/>
+            <a:off x="3805898" y="2143199"/>
+            <a:ext cx="1852326" cy="732693"/>
           </a:xfrm>
           <a:prstGeom prst="flowChartProcess">
             <a:avLst/>
@@ -8311,8 +8412,8 @@
         </p:nvCxnSpPr>
         <p:spPr>
           <a:xfrm>
-            <a:off x="3999504" y="2614532"/>
-            <a:ext cx="2719346" cy="1311"/>
+            <a:off x="3235687" y="2720732"/>
+            <a:ext cx="570211" cy="8757"/>
           </a:xfrm>
           <a:prstGeom prst="straightConnector1">
             <a:avLst/>
@@ -8344,14 +8445,27 @@
         </p:nvSpPr>
         <p:spPr>
           <a:xfrm>
-            <a:off x="7696863" y="3684054"/>
-            <a:ext cx="3260034" cy="923330"/>
+            <a:off x="8887903" y="4524658"/>
+            <a:ext cx="3260034" cy="2031325"/>
           </a:xfrm>
           <a:prstGeom prst="rect">
             <a:avLst/>
           </a:prstGeom>
-          <a:noFill/>
         </p:spPr>
+        <p:style>
+          <a:lnRef idx="2">
+            <a:schemeClr val="accent3"/>
+          </a:lnRef>
+          <a:fillRef idx="1">
+            <a:schemeClr val="lt1"/>
+          </a:fillRef>
+          <a:effectRef idx="0">
+            <a:schemeClr val="accent3"/>
+          </a:effectRef>
+          <a:fontRef idx="minor">
+            <a:schemeClr val="dk1"/>
+          </a:fontRef>
+        </p:style>
         <p:txBody>
           <a:bodyPr wrap="square" rtlCol="0">
             <a:spAutoFit/>
@@ -8375,12 +8489,45 @@
           <a:p>
             <a:r>
               <a:rPr kumimoji="1" lang="ja-JP" altLang="en-US" dirty="0" smtClean="0"/>
-              <a:t>情報提供基地とする</a:t>
-            </a:r>
-            <a:r>
-              <a:rPr kumimoji="1" lang="ja-JP" altLang="en-US" dirty="0"/>
-              <a:t>。</a:t>
-            </a:r>
+              <a:t>・ホームページ</a:t>
+            </a:r>
+            <a:endParaRPr kumimoji="1" lang="en-US" altLang="ja-JP" dirty="0" smtClean="0"/>
+          </a:p>
+          <a:p>
+            <a:r>
+              <a:rPr kumimoji="1" lang="ja-JP" altLang="en-US" dirty="0" smtClean="0"/>
+              <a:t>・ブログ</a:t>
+            </a:r>
+            <a:endParaRPr kumimoji="1" lang="en-US" altLang="ja-JP" dirty="0" smtClean="0"/>
+          </a:p>
+          <a:p>
+            <a:r>
+              <a:rPr kumimoji="1" lang="ja-JP" altLang="en-US" dirty="0" smtClean="0"/>
+              <a:t>・動画チャンネル</a:t>
+            </a:r>
+            <a:endParaRPr kumimoji="1" lang="en-US" altLang="ja-JP" dirty="0" smtClean="0"/>
+          </a:p>
+          <a:p>
+            <a:r>
+              <a:rPr kumimoji="1" lang="ja-JP" altLang="en-US" dirty="0" smtClean="0"/>
+              <a:t>これら</a:t>
+            </a:r>
+            <a:r>
+              <a:rPr kumimoji="1" lang="ja-JP" altLang="en-US" dirty="0" smtClean="0"/>
+              <a:t>を相互連携</a:t>
+            </a:r>
+            <a:r>
+              <a:rPr kumimoji="1" lang="ja-JP" altLang="en-US" dirty="0" smtClean="0"/>
+              <a:t>することで</a:t>
+            </a:r>
+            <a:endParaRPr kumimoji="1" lang="en-US" altLang="ja-JP" dirty="0" smtClean="0"/>
+          </a:p>
+          <a:p>
+            <a:r>
+              <a:rPr kumimoji="1" lang="ja-JP" altLang="en-US" dirty="0" smtClean="0"/>
+              <a:t>情報提供基地とする。</a:t>
+            </a:r>
+            <a:endParaRPr kumimoji="1" lang="ja-JP" altLang="en-US" dirty="0"/>
           </a:p>
         </p:txBody>
       </p:sp>
@@ -8447,7 +8594,7 @@
             <p:ph idx="1"/>
             <p:extLst>
               <p:ext uri="{D42A27DB-BD31-4B8C-83A1-F6EECF244321}">
-                <p14:modId xmlns:p14="http://schemas.microsoft.com/office/powerpoint/2010/main" val="1848147778"/>
+                <p14:modId xmlns:p14="http://schemas.microsoft.com/office/powerpoint/2010/main" val="4036538447"/>
               </p:ext>
             </p:extLst>
           </p:nvPr>

--- a/団体加入希望者の要求情報とその提供手法.pptx
+++ b/団体加入希望者の要求情報とその提供手法.pptx
@@ -9,6 +9,7 @@
     <p:sldId id="257" r:id="rId3"/>
     <p:sldId id="259" r:id="rId4"/>
     <p:sldId id="258" r:id="rId5"/>
+    <p:sldId id="260" r:id="rId6"/>
   </p:sldIdLst>
   <p:sldSz cx="12192000" cy="6858000"/>
   <p:notesSz cx="6858000" cy="9144000"/>
@@ -1218,15 +1219,7 @@
         <a:p>
           <a:r>
             <a:rPr kumimoji="1" lang="ja-JP" altLang="en-US" dirty="0" smtClean="0"/>
-            <a:t>登録弓の購入（弓の登録を行い道具の管理を個人が</a:t>
-          </a:r>
-          <a:r>
-            <a:rPr kumimoji="1" lang="ja-JP" altLang="en-US" dirty="0" smtClean="0"/>
-            <a:t>意識し行うように</a:t>
-          </a:r>
-          <a:r>
-            <a:rPr kumimoji="1" lang="ja-JP" altLang="en-US" dirty="0" smtClean="0"/>
-            <a:t>する為、購入時期がこの時点である必要はないが正会員登録には個人が保有する弓の存在を絶対とし会員登録と同時に登録も行う）</a:t>
+            <a:t>登録弓の購入（弓の登録を行い道具の管理を個人が意識し行うようにする為、購入時期がこの時点である必要はないが正会員登録には個人が保有する弓の存在を絶対とし会員登録と同時に登録も行う）</a:t>
           </a:r>
           <a:endParaRPr kumimoji="1" lang="ja-JP" altLang="en-US" dirty="0"/>
         </a:p>
@@ -1946,15 +1939,7 @@
           </a:pPr>
           <a:r>
             <a:rPr kumimoji="1" lang="ja-JP" altLang="en-US" sz="1500" kern="1200" dirty="0" smtClean="0"/>
-            <a:t>登録弓の購入（弓の登録を行い道具の管理を個人が</a:t>
-          </a:r>
-          <a:r>
-            <a:rPr kumimoji="1" lang="ja-JP" altLang="en-US" sz="1500" kern="1200" dirty="0" smtClean="0"/>
-            <a:t>意識し行うように</a:t>
-          </a:r>
-          <a:r>
-            <a:rPr kumimoji="1" lang="ja-JP" altLang="en-US" sz="1500" kern="1200" dirty="0" smtClean="0"/>
-            <a:t>する為、購入時期がこの時点である必要はないが正会員登録には個人が保有する弓の存在を絶対とし会員登録と同時に登録も行う）</a:t>
+            <a:t>登録弓の購入（弓の登録を行い道具の管理を個人が意識し行うようにする為、購入時期がこの時点である必要はないが正会員登録には個人が保有する弓の存在を絶対とし会員登録と同時に登録も行う）</a:t>
           </a:r>
           <a:endParaRPr kumimoji="1" lang="ja-JP" altLang="en-US" sz="1500" kern="1200" dirty="0"/>
         </a:p>
@@ -3523,7 +3508,7 @@
             <a:fld id="{B61BEF0D-F0BB-DE4B-95CE-6DB70DBA9567}" type="datetimeFigureOut">
               <a:rPr lang="en-US" dirty="0"/>
               <a:pPr/>
-              <a:t>2/14/2018</a:t>
+              <a:t>2/17/2018</a:t>
             </a:fld>
             <a:endParaRPr lang="en-US" dirty="0"/>
           </a:p>
@@ -3814,7 +3799,7 @@
             <a:fld id="{B61BEF0D-F0BB-DE4B-95CE-6DB70DBA9567}" type="datetimeFigureOut">
               <a:rPr lang="en-US" dirty="0"/>
               <a:pPr/>
-              <a:t>2/14/2018</a:t>
+              <a:t>2/17/2018</a:t>
             </a:fld>
             <a:endParaRPr lang="en-US" dirty="0"/>
           </a:p>
@@ -4078,7 +4063,7 @@
             <a:fld id="{B61BEF0D-F0BB-DE4B-95CE-6DB70DBA9567}" type="datetimeFigureOut">
               <a:rPr lang="en-US" dirty="0"/>
               <a:pPr/>
-              <a:t>2/14/2018</a:t>
+              <a:t>2/17/2018</a:t>
             </a:fld>
             <a:endParaRPr lang="en-US" dirty="0"/>
           </a:p>
@@ -4347,7 +4332,7 @@
             <a:fld id="{B61BEF0D-F0BB-DE4B-95CE-6DB70DBA9567}" type="datetimeFigureOut">
               <a:rPr lang="en-US" dirty="0"/>
               <a:pPr/>
-              <a:t>2/14/2018</a:t>
+              <a:t>2/17/2018</a:t>
             </a:fld>
             <a:endParaRPr lang="en-US" dirty="0"/>
           </a:p>
@@ -4651,7 +4636,7 @@
             <a:fld id="{B61BEF0D-F0BB-DE4B-95CE-6DB70DBA9567}" type="datetimeFigureOut">
               <a:rPr lang="en-US" dirty="0"/>
               <a:pPr/>
-              <a:t>2/14/2018</a:t>
+              <a:t>2/17/2018</a:t>
             </a:fld>
             <a:endParaRPr lang="en-US" dirty="0"/>
           </a:p>
@@ -5014,7 +4999,7 @@
             <a:fld id="{B61BEF0D-F0BB-DE4B-95CE-6DB70DBA9567}" type="datetimeFigureOut">
               <a:rPr lang="en-US" dirty="0"/>
               <a:pPr/>
-              <a:t>2/14/2018</a:t>
+              <a:t>2/17/2018</a:t>
             </a:fld>
             <a:endParaRPr lang="en-US" dirty="0"/>
           </a:p>
@@ -5497,7 +5482,7 @@
             <a:fld id="{B61BEF0D-F0BB-DE4B-95CE-6DB70DBA9567}" type="datetimeFigureOut">
               <a:rPr lang="en-US" dirty="0"/>
               <a:pPr/>
-              <a:t>2/14/2018</a:t>
+              <a:t>2/17/2018</a:t>
             </a:fld>
             <a:endParaRPr lang="en-US" dirty="0"/>
           </a:p>
@@ -5656,7 +5641,7 @@
             <a:fld id="{B61BEF0D-F0BB-DE4B-95CE-6DB70DBA9567}" type="datetimeFigureOut">
               <a:rPr lang="en-US" dirty="0"/>
               <a:pPr/>
-              <a:t>2/14/2018</a:t>
+              <a:t>2/17/2018</a:t>
             </a:fld>
             <a:endParaRPr lang="en-US" dirty="0"/>
           </a:p>
@@ -5748,7 +5733,7 @@
             <a:fld id="{B61BEF0D-F0BB-DE4B-95CE-6DB70DBA9567}" type="datetimeFigureOut">
               <a:rPr lang="en-US" dirty="0"/>
               <a:pPr/>
-              <a:t>2/14/2018</a:t>
+              <a:t>2/17/2018</a:t>
             </a:fld>
             <a:endParaRPr lang="en-US" dirty="0"/>
           </a:p>
@@ -6155,7 +6140,7 @@
             <a:fld id="{B61BEF0D-F0BB-DE4B-95CE-6DB70DBA9567}" type="datetimeFigureOut">
               <a:rPr lang="en-US" dirty="0"/>
               <a:pPr/>
-              <a:t>2/14/2018</a:t>
+              <a:t>2/17/2018</a:t>
             </a:fld>
             <a:endParaRPr lang="en-US" dirty="0"/>
           </a:p>
@@ -6441,7 +6426,7 @@
             <a:fld id="{B61BEF0D-F0BB-DE4B-95CE-6DB70DBA9567}" type="datetimeFigureOut">
               <a:rPr lang="en-US" dirty="0"/>
               <a:pPr/>
-              <a:t>2/14/2018</a:t>
+              <a:t>2/17/2018</a:t>
             </a:fld>
             <a:endParaRPr lang="en-US" dirty="0"/>
           </a:p>
@@ -6681,7 +6666,7 @@
             <a:fld id="{B61BEF0D-F0BB-DE4B-95CE-6DB70DBA9567}" type="datetimeFigureOut">
               <a:rPr lang="en-US" dirty="0"/>
               <a:pPr/>
-              <a:t>2/14/2018</a:t>
+              <a:t>2/17/2018</a:t>
             </a:fld>
             <a:endParaRPr lang="en-US" dirty="0"/>
           </a:p>
@@ -7290,12 +7275,53 @@
         </p:nvSpPr>
         <p:spPr/>
         <p:txBody>
-          <a:bodyPr/>
+          <a:bodyPr>
+            <a:normAutofit fontScale="90000"/>
+          </a:bodyPr>
           <a:lstStyle/>
           <a:p>
             <a:r>
               <a:rPr kumimoji="1" lang="ja-JP" altLang="en-US" dirty="0" smtClean="0"/>
-              <a:t>団体加入希望者の要求情報とその提供手法、入会までのシーケンス。</a:t>
+              <a:t>団体加入希望者の要求情報とその提供</a:t>
+            </a:r>
+            <a:r>
+              <a:rPr kumimoji="1" lang="ja-JP" altLang="en-US" smtClean="0"/>
+              <a:t>手法</a:t>
+            </a:r>
+            <a:r>
+              <a:rPr kumimoji="1" lang="ja-JP" altLang="en-US" smtClean="0"/>
+              <a:t>、</a:t>
+            </a:r>
+            <a:r>
+              <a:rPr lang="ja-JP" altLang="en-US"/>
+              <a:t>正会員</a:t>
+            </a:r>
+            <a:r>
+              <a:rPr kumimoji="1" lang="ja-JP" altLang="en-US" smtClean="0"/>
+              <a:t>までの</a:t>
+            </a:r>
+            <a:r>
+              <a:rPr kumimoji="1" lang="ja-JP" altLang="en-US" smtClean="0"/>
+              <a:t>シーケンス</a:t>
+            </a:r>
+            <a:r>
+              <a:rPr kumimoji="1" lang="ja-JP" altLang="en-US" smtClean="0"/>
+              <a:t>。</a:t>
+            </a:r>
+            <a:r>
+              <a:rPr kumimoji="1" lang="en-US" altLang="ja-JP" smtClean="0"/>
+              <a:t/>
+            </a:r>
+            <a:br>
+              <a:rPr kumimoji="1" lang="en-US" altLang="ja-JP" smtClean="0"/>
+            </a:br>
+            <a:r>
+              <a:rPr kumimoji="1" lang="ja-JP" altLang="en-US" smtClean="0"/>
+              <a:t>教育</a:t>
+            </a:r>
+            <a:r>
+              <a:rPr lang="ja-JP" altLang="en-US" smtClean="0"/>
+              <a:t>活動による未来協力者の獲得。</a:t>
             </a:r>
             <a:endParaRPr kumimoji="1" lang="ja-JP" altLang="en-US" dirty="0"/>
           </a:p>
@@ -7483,7 +7509,15 @@
           <a:p>
             <a:r>
               <a:rPr kumimoji="1" lang="ja-JP" altLang="en-US" dirty="0" smtClean="0"/>
-              <a:t>この中でスムーズに従事者として活動出来うる存在は既存競技アーチャーのみであり、それ以外の対象には一定の技能を持たせる為の教育が必要と思われる。</a:t>
+              <a:t>この中でスムーズに従事者として活動出来うる存在は既存競技アーチャーのみであり、それ以外の対象には一定の技能を持たせる為の教育が必要とな</a:t>
+            </a:r>
+            <a:r>
+              <a:rPr kumimoji="1" lang="ja-JP" altLang="en-US" dirty="0"/>
+              <a:t>る</a:t>
+            </a:r>
+            <a:r>
+              <a:rPr kumimoji="1" lang="ja-JP" altLang="en-US" dirty="0" smtClean="0"/>
+              <a:t>。</a:t>
             </a:r>
             <a:endParaRPr kumimoji="1" lang="ja-JP" altLang="en-US" dirty="0"/>
           </a:p>
@@ -7587,15 +7621,15 @@
             </a:br>
             <a:r>
               <a:rPr lang="ja-JP" altLang="en-US" sz="1600" dirty="0" smtClean="0"/>
-              <a:t>希望者が団体を知り、その活動に参加するための情報収集を円滑に行えるよう、その情報</a:t>
-            </a:r>
-            <a:r>
-              <a:rPr lang="ja-JP" altLang="en-US" sz="1600" dirty="0" smtClean="0"/>
-              <a:t>カテゴリーと手法を</a:t>
-            </a:r>
-            <a:r>
-              <a:rPr lang="ja-JP" altLang="en-US" sz="1600" dirty="0" smtClean="0"/>
-              <a:t>纏める。</a:t>
+              <a:t>希望者が団体を知り、その活動に参加するための情報収集を円滑に行えるよう、その情報カテゴリーと手法を</a:t>
+            </a:r>
+            <a:r>
+              <a:rPr lang="ja-JP" altLang="en-US" sz="1600" smtClean="0"/>
+              <a:t>纏める</a:t>
+            </a:r>
+            <a:r>
+              <a:rPr lang="ja-JP" altLang="en-US" sz="1600" smtClean="0"/>
+              <a:t>。要求ユースケースより導き出される要求要素と相対するものである。</a:t>
             </a:r>
             <a:endParaRPr kumimoji="1" lang="ja-JP" altLang="en-US" sz="1600" dirty="0"/>
           </a:p>
@@ -8510,15 +8544,7 @@
           <a:p>
             <a:r>
               <a:rPr kumimoji="1" lang="ja-JP" altLang="en-US" dirty="0" smtClean="0"/>
-              <a:t>これら</a:t>
-            </a:r>
-            <a:r>
-              <a:rPr kumimoji="1" lang="ja-JP" altLang="en-US" dirty="0" smtClean="0"/>
-              <a:t>を相互連携</a:t>
-            </a:r>
-            <a:r>
-              <a:rPr kumimoji="1" lang="ja-JP" altLang="en-US" dirty="0" smtClean="0"/>
-              <a:t>することで</a:t>
+              <a:t>これらを相互連携することで</a:t>
             </a:r>
             <a:endParaRPr kumimoji="1" lang="en-US" altLang="ja-JP" dirty="0" smtClean="0"/>
           </a:p>
@@ -8609,10 +8635,175 @@
           </a:graphicData>
         </a:graphic>
       </p:graphicFrame>
+      <p:sp>
+        <p:nvSpPr>
+          <p:cNvPr id="5" name="テキスト ボックス 4"/>
+          <p:cNvSpPr txBox="1"/>
+          <p:nvPr/>
+        </p:nvSpPr>
+        <p:spPr>
+          <a:xfrm>
+            <a:off x="1403405" y="5931673"/>
+            <a:ext cx="10406185" cy="646331"/>
+          </a:xfrm>
+          <a:prstGeom prst="rect">
+            <a:avLst/>
+          </a:prstGeom>
+        </p:spPr>
+        <p:style>
+          <a:lnRef idx="1">
+            <a:schemeClr val="accent5"/>
+          </a:lnRef>
+          <a:fillRef idx="3">
+            <a:schemeClr val="accent5"/>
+          </a:fillRef>
+          <a:effectRef idx="2">
+            <a:schemeClr val="accent5"/>
+          </a:effectRef>
+          <a:fontRef idx="minor">
+            <a:schemeClr val="lt1"/>
+          </a:fontRef>
+        </p:style>
+        <p:txBody>
+          <a:bodyPr wrap="square" rtlCol="0">
+            <a:spAutoFit/>
+          </a:bodyPr>
+          <a:lstStyle/>
+          <a:p>
+            <a:r>
+              <a:rPr kumimoji="1" lang="ja-JP" altLang="en-US" smtClean="0"/>
+              <a:t>会員が出動可能なステータスとなるには以上の過程を通過し必要スキルの認定がなされた後に</a:t>
+            </a:r>
+            <a:endParaRPr kumimoji="1" lang="en-US" altLang="ja-JP" smtClean="0"/>
+          </a:p>
+          <a:p>
+            <a:r>
+              <a:rPr kumimoji="1" lang="ja-JP" altLang="en-US" smtClean="0"/>
+              <a:t>正会員とされる。</a:t>
+            </a:r>
+            <a:endParaRPr kumimoji="1" lang="ja-JP" altLang="en-US" sz="1800" kern="1200">
+              <a:solidFill>
+                <a:schemeClr val="tx1"/>
+              </a:solidFill>
+              <a:latin typeface="+mn-lt"/>
+              <a:ea typeface="+mn-ea"/>
+              <a:cs typeface="+mn-cs"/>
+            </a:endParaRPr>
+          </a:p>
+        </p:txBody>
+      </p:sp>
     </p:spTree>
     <p:extLst>
       <p:ext uri="{BB962C8B-B14F-4D97-AF65-F5344CB8AC3E}">
         <p14:creationId xmlns:p14="http://schemas.microsoft.com/office/powerpoint/2010/main" val="1395851820"/>
+      </p:ext>
+    </p:extLst>
+  </p:cSld>
+  <p:clrMapOvr>
+    <a:masterClrMapping/>
+  </p:clrMapOvr>
+</p:sld>
+</file>
+
+<file path=ppt/slides/slide5.xml><?xml version="1.0" encoding="utf-8"?>
+<p:sld xmlns:a="http://schemas.openxmlformats.org/drawingml/2006/main" xmlns:r="http://schemas.openxmlformats.org/officeDocument/2006/relationships" xmlns:p="http://schemas.openxmlformats.org/presentationml/2006/main">
+  <p:cSld>
+    <p:spTree>
+      <p:nvGrpSpPr>
+        <p:cNvPr id="1" name=""/>
+        <p:cNvGrpSpPr/>
+        <p:nvPr/>
+      </p:nvGrpSpPr>
+      <p:grpSpPr>
+        <a:xfrm>
+          <a:off x="0" y="0"/>
+          <a:ext cx="0" cy="0"/>
+          <a:chOff x="0" y="0"/>
+          <a:chExt cx="0" cy="0"/>
+        </a:xfrm>
+      </p:grpSpPr>
+      <p:sp>
+        <p:nvSpPr>
+          <p:cNvPr id="2" name="タイトル 1"/>
+          <p:cNvSpPr>
+            <a:spLocks noGrp="1"/>
+          </p:cNvSpPr>
+          <p:nvPr>
+            <p:ph type="title"/>
+          </p:nvPr>
+        </p:nvSpPr>
+        <p:spPr/>
+        <p:txBody>
+          <a:bodyPr/>
+          <a:lstStyle/>
+          <a:p>
+            <a:r>
+              <a:rPr kumimoji="1" lang="ja-JP" altLang="en-US" smtClean="0"/>
+              <a:t>食肉製品とする為の処置マニュアル化とワークショップイベント</a:t>
+            </a:r>
+            <a:endParaRPr kumimoji="1" lang="ja-JP" altLang="en-US"/>
+          </a:p>
+        </p:txBody>
+      </p:sp>
+      <p:sp>
+        <p:nvSpPr>
+          <p:cNvPr id="3" name="コンテンツ プレースホルダー 2"/>
+          <p:cNvSpPr>
+            <a:spLocks noGrp="1"/>
+          </p:cNvSpPr>
+          <p:nvPr>
+            <p:ph idx="1"/>
+          </p:nvPr>
+        </p:nvSpPr>
+        <p:spPr/>
+        <p:txBody>
+          <a:bodyPr/>
+          <a:lstStyle/>
+          <a:p>
+            <a:pPr>
+              <a:buFont typeface="Wingdings" panose="05000000000000000000" pitchFamily="2" charset="2"/>
+              <a:buChar char="l"/>
+            </a:pPr>
+            <a:r>
+              <a:rPr lang="ja-JP" altLang="en-US" smtClean="0"/>
+              <a:t>獲得獣の解体を画一的に事故や危険な肉を生み出さないよう、その処置の講習会をワークショップイベントとして、外部参加者も含め執り行う。</a:t>
+            </a:r>
+            <a:endParaRPr kumimoji="1" lang="en-US" altLang="ja-JP"/>
+          </a:p>
+          <a:p>
+            <a:pPr>
+              <a:buFont typeface="Wingdings" panose="05000000000000000000" pitchFamily="2" charset="2"/>
+              <a:buChar char="l"/>
+            </a:pPr>
+            <a:r>
+              <a:rPr lang="ja-JP" altLang="en-US" smtClean="0"/>
+              <a:t>このイベントによって食肉龍柱業・飲食業・メディア・第三者への活動広報を行えるようオープン参加なイベントする。</a:t>
+            </a:r>
+            <a:endParaRPr lang="en-US" altLang="ja-JP" smtClean="0"/>
+          </a:p>
+          <a:p>
+            <a:pPr>
+              <a:buFont typeface="Wingdings" panose="05000000000000000000" pitchFamily="2" charset="2"/>
+              <a:buChar char="l"/>
+            </a:pPr>
+            <a:r>
+              <a:rPr lang="ja-JP" altLang="en-US" smtClean="0"/>
+              <a:t>この活動は会員の処置スキルの定着、活動報告、メディア取材、あらたな会員確保、市場開拓。の諸活動を内包するものである。</a:t>
+            </a:r>
+            <a:endParaRPr kumimoji="1" lang="en-US" altLang="ja-JP"/>
+          </a:p>
+          <a:p>
+            <a:pPr marL="0" indent="0">
+              <a:buNone/>
+            </a:pPr>
+            <a:endParaRPr kumimoji="1" lang="ja-JP" altLang="en-US"/>
+          </a:p>
+        </p:txBody>
+      </p:sp>
+    </p:spTree>
+    <p:extLst>
+      <p:ext uri="{BB962C8B-B14F-4D97-AF65-F5344CB8AC3E}">
+        <p14:creationId xmlns:p14="http://schemas.microsoft.com/office/powerpoint/2010/main" val="2209547767"/>
       </p:ext>
     </p:extLst>
   </p:cSld>
